--- a/Capstone project 2/capstone 2.pptx
+++ b/Capstone project 2/capstone 2.pptx
@@ -16,23 +16,24 @@
     <p:sldId id="261" r:id="rId12"/>
     <p:sldId id="262" r:id="rId13"/>
     <p:sldId id="263" r:id="rId14"/>
+    <p:sldId id="264" r:id="rId15"/>
   </p:sldIdLst>
   <p:sldSz cy="5143500" cx="9144000"/>
   <p:notesSz cx="6858000" cy="9144000"/>
   <p:embeddedFontLst>
     <p:embeddedFont>
       <p:font typeface="Raleway"/>
-      <p:regular r:id="rId15"/>
-      <p:bold r:id="rId16"/>
-      <p:italic r:id="rId17"/>
-      <p:boldItalic r:id="rId18"/>
+      <p:regular r:id="rId16"/>
+      <p:bold r:id="rId17"/>
+      <p:italic r:id="rId18"/>
+      <p:boldItalic r:id="rId19"/>
     </p:embeddedFont>
     <p:embeddedFont>
       <p:font typeface="Lato"/>
-      <p:regular r:id="rId19"/>
-      <p:bold r:id="rId20"/>
-      <p:italic r:id="rId21"/>
-      <p:boldItalic r:id="rId22"/>
+      <p:regular r:id="rId20"/>
+      <p:bold r:id="rId21"/>
+      <p:italic r:id="rId22"/>
+      <p:boldItalic r:id="rId23"/>
     </p:embeddedFont>
   </p:embeddedFontLst>
   <p:defaultTextStyle>
@@ -1419,7 +1420,7 @@
       </p:grpSpPr>
       <p:sp>
         <p:nvSpPr>
-          <p:cNvPr id="110" name="Google Shape;110;g43a5398be0_0_108:notes"/>
+          <p:cNvPr id="110" name="Google Shape;110;g43ac4df51f_0_2:notes"/>
           <p:cNvSpPr/>
           <p:nvPr>
             <p:ph idx="2" type="sldImg"/>
@@ -1454,7 +1455,106 @@
       </p:sp>
       <p:sp>
         <p:nvSpPr>
-          <p:cNvPr id="111" name="Google Shape;111;g43a5398be0_0_108:notes"/>
+          <p:cNvPr id="111" name="Google Shape;111;g43ac4df51f_0_2:notes"/>
+          <p:cNvSpPr txBox="1"/>
+          <p:nvPr>
+            <p:ph idx="1" type="body"/>
+          </p:nvPr>
+        </p:nvSpPr>
+        <p:spPr>
+          <a:xfrm>
+            <a:off x="685800" y="4343400"/>
+            <a:ext cx="5486400" cy="4114800"/>
+          </a:xfrm>
+          <a:prstGeom prst="rect">
+            <a:avLst/>
+          </a:prstGeom>
+        </p:spPr>
+        <p:txBody>
+          <a:bodyPr anchorCtr="0" anchor="t" bIns="91425" lIns="91425" spcFirstLastPara="1" rIns="91425" wrap="square" tIns="91425">
+            <a:noAutofit/>
+          </a:bodyPr>
+          <a:lstStyle/>
+          <a:p>
+            <a:pPr indent="0" lvl="0" marL="0" rtl="0" algn="l">
+              <a:spcBef>
+                <a:spcPts val="0"/>
+              </a:spcBef>
+              <a:spcAft>
+                <a:spcPts val="0"/>
+              </a:spcAft>
+              <a:buNone/>
+            </a:pPr>
+            <a:r>
+              <a:t/>
+            </a:r>
+            <a:endParaRPr/>
+          </a:p>
+        </p:txBody>
+      </p:sp>
+    </p:spTree>
+  </p:cSld>
+  <p:clrMapOvr>
+    <a:masterClrMapping/>
+  </p:clrMapOvr>
+</p:notes>
+</file>
+
+<file path=ppt/notesSlides/notesSlide9.xml><?xml version="1.0" encoding="utf-8"?>
+<p:notes xmlns:a="http://schemas.openxmlformats.org/drawingml/2006/main" xmlns:r="http://schemas.openxmlformats.org/officeDocument/2006/relationships" xmlns:mc="http://schemas.openxmlformats.org/markup-compatibility/2006" xmlns:mv="urn:schemas-microsoft-com:mac:vml" xmlns:p="http://schemas.openxmlformats.org/presentationml/2006/main" xmlns:c="http://schemas.openxmlformats.org/drawingml/2006/chart" xmlns:dgm="http://schemas.openxmlformats.org/drawingml/2006/diagram" xmlns:o="urn:schemas-microsoft-com:office:office" xmlns:v="urn:schemas-microsoft-com:vml" xmlns:pvml="urn:schemas-microsoft-com:office:powerpoint" xmlns:com="http://schemas.openxmlformats.org/drawingml/2006/compatibility" xmlns:p14="http://schemas.microsoft.com/office/powerpoint/2010/main" xmlns:p15="http://schemas.microsoft.com/office/powerpoint/2012/main" showMasterPhAnim="0" showMasterSp="0">
+  <p:cSld>
+    <p:spTree>
+      <p:nvGrpSpPr>
+        <p:cNvPr id="114" name="Shape 114"/>
+        <p:cNvGrpSpPr/>
+        <p:nvPr/>
+      </p:nvGrpSpPr>
+      <p:grpSpPr>
+        <a:xfrm>
+          <a:off x="0" y="0"/>
+          <a:ext cx="0" cy="0"/>
+          <a:chOff x="0" y="0"/>
+          <a:chExt cx="0" cy="0"/>
+        </a:xfrm>
+      </p:grpSpPr>
+      <p:sp>
+        <p:nvSpPr>
+          <p:cNvPr id="115" name="Google Shape;115;g43a5398be0_0_108:notes"/>
+          <p:cNvSpPr/>
+          <p:nvPr>
+            <p:ph idx="2" type="sldImg"/>
+          </p:nvPr>
+        </p:nvSpPr>
+        <p:spPr>
+          <a:xfrm>
+            <a:off x="381300" y="685800"/>
+            <a:ext cx="6096000" cy="3429000"/>
+          </a:xfrm>
+          <a:custGeom>
+            <a:rect b="b" l="l" r="r" t="t"/>
+            <a:pathLst>
+              <a:path extrusionOk="0" h="120000" w="120000">
+                <a:moveTo>
+                  <a:pt x="0" y="0"/>
+                </a:moveTo>
+                <a:lnTo>
+                  <a:pt x="120000" y="0"/>
+                </a:lnTo>
+                <a:lnTo>
+                  <a:pt x="120000" y="120000"/>
+                </a:lnTo>
+                <a:lnTo>
+                  <a:pt x="0" y="120000"/>
+                </a:lnTo>
+                <a:close/>
+              </a:path>
+            </a:pathLst>
+          </a:custGeom>
+        </p:spPr>
+      </p:sp>
+      <p:sp>
+        <p:nvSpPr>
+          <p:cNvPr id="116" name="Google Shape;116;g43a5398be0_0_108:notes"/>
           <p:cNvSpPr txBox="1"/>
           <p:nvPr>
             <p:ph idx="1" type="body"/>
@@ -8342,7 +8442,7 @@
           <p:nvPr/>
         </p:nvGraphicFramePr>
         <p:xfrm>
-          <a:off x="1939850" y="2834550"/>
+          <a:off x="2057375" y="2999000"/>
           <a:ext cx="3000000" cy="3000000"/>
         </p:xfrm>
         <a:graphic>
@@ -8350,7 +8450,7 @@
             <a:tbl>
               <a:tblPr>
                 <a:noFill/>
-                <a:tableStyleId>{50137AE4-025A-44B1-8D46-C477D1D77FCC}</a:tableStyleId>
+                <a:tableStyleId>{19B24313-E8C1-41FD-8BA3-BF59C533BD05}</a:tableStyleId>
               </a:tblPr>
               <a:tblGrid>
                 <a:gridCol w="766275"/>
@@ -8360,7 +8460,7 @@
                 <a:gridCol w="1625950"/>
                 <a:gridCol w="938575"/>
               </a:tblGrid>
-              <a:tr h="381000">
+              <a:tr h="726075">
                 <a:tc>
                   <a:txBody>
                     <a:bodyPr>
@@ -8895,7 +8995,7 @@
                   </a:tcPr>
                 </a:tc>
               </a:tr>
-              <a:tr h="381000">
+              <a:tr h="726075">
                 <a:tc>
                   <a:txBody>
                     <a:bodyPr>
@@ -9497,7 +9597,7 @@
                 <a:cs typeface="Calibri"/>
                 <a:sym typeface="Calibri"/>
               </a:rPr>
-              <a:t> on test data. Probably, various linear models perform better than </a:t>
+              <a:t> on test data (the lower is RMSE, the better the model predicts). Probably, various linear models perform better than </a:t>
             </a:r>
             <a:r>
               <a:rPr lang="en" sz="1800">
@@ -9557,53 +9657,13 @@
           <p:cNvPr id="113" name="Google Shape;113;p20"/>
           <p:cNvSpPr txBox="1"/>
           <p:nvPr>
-            <p:ph type="title"/>
-          </p:nvPr>
-        </p:nvSpPr>
-        <p:spPr>
-          <a:xfrm>
-            <a:off x="2400250" y="575950"/>
-            <a:ext cx="6321600" cy="635400"/>
-          </a:xfrm>
-          <a:prstGeom prst="rect">
-            <a:avLst/>
-          </a:prstGeom>
-        </p:spPr>
-        <p:txBody>
-          <a:bodyPr anchorCtr="0" anchor="t" bIns="91425" lIns="91425" spcFirstLastPara="1" rIns="91425" wrap="square" tIns="91425">
-            <a:noAutofit/>
-          </a:bodyPr>
-          <a:lstStyle/>
-          <a:p>
-            <a:pPr indent="0" lvl="0" marL="0" rtl="0" algn="l">
-              <a:spcBef>
-                <a:spcPts val="0"/>
-              </a:spcBef>
-              <a:spcAft>
-                <a:spcPts val="0"/>
-              </a:spcAft>
-              <a:buNone/>
-            </a:pPr>
-            <a:r>
-              <a:rPr lang="en"/>
-              <a:t>Conclusions</a:t>
-            </a:r>
-            <a:endParaRPr/>
-          </a:p>
-        </p:txBody>
-      </p:sp>
-      <p:sp>
-        <p:nvSpPr>
-          <p:cNvPr id="114" name="Google Shape;114;p20"/>
-          <p:cNvSpPr txBox="1"/>
-          <p:nvPr>
             <p:ph idx="1" type="body"/>
           </p:nvPr>
         </p:nvSpPr>
         <p:spPr>
           <a:xfrm>
-            <a:off x="2410112" y="1595776"/>
-            <a:ext cx="6321600" cy="3002400"/>
+            <a:off x="2410100" y="622000"/>
+            <a:ext cx="6321600" cy="3976200"/>
           </a:xfrm>
           <a:prstGeom prst="rect">
             <a:avLst/>
@@ -9642,15 +9702,27 @@
                 <a:cs typeface="Calibri"/>
                 <a:sym typeface="Calibri"/>
               </a:rPr>
-              <a:t>For most models the following features have the strongest impact on Sale Price predictions: </a:t>
+              <a:t>T</a:t>
             </a:r>
             <a:r>
               <a:rPr lang="en">
                 <a:solidFill>
                   <a:srgbClr val="020202"/>
                 </a:solidFill>
+                <a:latin typeface="Calibri"/>
+                <a:ea typeface="Calibri"/>
+                <a:cs typeface="Calibri"/>
+                <a:sym typeface="Calibri"/>
+              </a:rPr>
+              <a:t>he following features have the strongest impact on Sale Price predictions: </a:t>
+            </a:r>
+            <a:r>
+              <a:rPr lang="en">
+                <a:solidFill>
+                  <a:srgbClr val="020202"/>
+                </a:solidFill>
                 <a:highlight>
-                  <a:srgbClr val="FFFFFF"/>
+                  <a:schemeClr val="lt1"/>
                 </a:highlight>
                 <a:latin typeface="Calibri"/>
                 <a:ea typeface="Calibri"/>
@@ -9677,7 +9749,7 @@
                   <a:srgbClr val="020202"/>
                 </a:solidFill>
                 <a:highlight>
-                  <a:srgbClr val="FFFFFF"/>
+                  <a:schemeClr val="lt1"/>
                 </a:highlight>
                 <a:latin typeface="Calibri"/>
                 <a:ea typeface="Calibri"/>
@@ -9704,7 +9776,7 @@
                   <a:srgbClr val="020202"/>
                 </a:solidFill>
                 <a:highlight>
-                  <a:srgbClr val="FFFFFF"/>
+                  <a:schemeClr val="lt1"/>
                 </a:highlight>
                 <a:latin typeface="Calibri"/>
                 <a:ea typeface="Calibri"/>
@@ -9731,7 +9803,7 @@
                   <a:srgbClr val="020202"/>
                 </a:solidFill>
                 <a:highlight>
-                  <a:srgbClr val="FFFFFF"/>
+                  <a:schemeClr val="lt1"/>
                 </a:highlight>
                 <a:latin typeface="Calibri"/>
                 <a:ea typeface="Calibri"/>
@@ -9758,7 +9830,7 @@
                   <a:srgbClr val="020202"/>
                 </a:solidFill>
                 <a:highlight>
-                  <a:srgbClr val="FFFFFF"/>
+                  <a:schemeClr val="lt1"/>
                 </a:highlight>
                 <a:latin typeface="Calibri"/>
                 <a:ea typeface="Calibri"/>
@@ -9785,7 +9857,7 @@
                   <a:srgbClr val="020202"/>
                 </a:solidFill>
                 <a:highlight>
-                  <a:srgbClr val="FFFFFF"/>
+                  <a:schemeClr val="lt1"/>
                 </a:highlight>
                 <a:latin typeface="Calibri"/>
                 <a:ea typeface="Calibri"/>
@@ -9812,7 +9884,7 @@
                   <a:srgbClr val="020202"/>
                 </a:solidFill>
                 <a:highlight>
-                  <a:srgbClr val="FFFFFF"/>
+                  <a:schemeClr val="lt1"/>
                 </a:highlight>
                 <a:latin typeface="Calibri"/>
                 <a:ea typeface="Calibri"/>
@@ -9839,7 +9911,7 @@
                   <a:srgbClr val="020202"/>
                 </a:solidFill>
                 <a:highlight>
-                  <a:srgbClr val="FFFFFF"/>
+                  <a:schemeClr val="lt1"/>
                 </a:highlight>
                 <a:latin typeface="Calibri"/>
                 <a:ea typeface="Calibri"/>
@@ -9866,7 +9938,7 @@
                   <a:srgbClr val="020202"/>
                 </a:solidFill>
                 <a:highlight>
-                  <a:srgbClr val="FFFFFF"/>
+                  <a:schemeClr val="lt1"/>
                 </a:highlight>
                 <a:latin typeface="Calibri"/>
                 <a:ea typeface="Calibri"/>
@@ -9893,7 +9965,7 @@
                   <a:srgbClr val="020202"/>
                 </a:solidFill>
                 <a:highlight>
-                  <a:srgbClr val="FFFFFF"/>
+                  <a:schemeClr val="lt1"/>
                 </a:highlight>
                 <a:latin typeface="Calibri"/>
                 <a:ea typeface="Calibri"/>
@@ -9914,7 +9986,177 @@
               </a:rPr>
               <a:t>.</a:t>
             </a:r>
+            <a:endParaRPr>
+              <a:latin typeface="Calibri"/>
+              <a:ea typeface="Calibri"/>
+              <a:cs typeface="Calibri"/>
+              <a:sym typeface="Calibri"/>
+            </a:endParaRPr>
+          </a:p>
+        </p:txBody>
+      </p:sp>
+    </p:spTree>
+  </p:cSld>
+  <p:clrMapOvr>
+    <a:masterClrMapping/>
+  </p:clrMapOvr>
+</p:sld>
+</file>
+
+<file path=ppt/slides/slide9.xml><?xml version="1.0" encoding="utf-8"?>
+<p:sld xmlns:a="http://schemas.openxmlformats.org/drawingml/2006/main" xmlns:r="http://schemas.openxmlformats.org/officeDocument/2006/relationships" xmlns:mc="http://schemas.openxmlformats.org/markup-compatibility/2006" xmlns:mv="urn:schemas-microsoft-com:mac:vml" xmlns:p="http://schemas.openxmlformats.org/presentationml/2006/main" xmlns:c="http://schemas.openxmlformats.org/drawingml/2006/chart" xmlns:dgm="http://schemas.openxmlformats.org/drawingml/2006/diagram" xmlns:o="urn:schemas-microsoft-com:office:office" xmlns:v="urn:schemas-microsoft-com:vml" xmlns:pvml="urn:schemas-microsoft-com:office:powerpoint" xmlns:com="http://schemas.openxmlformats.org/drawingml/2006/compatibility" xmlns:p14="http://schemas.microsoft.com/office/powerpoint/2010/main" xmlns:p15="http://schemas.microsoft.com/office/powerpoint/2012/main">
+  <p:cSld>
+    <p:spTree>
+      <p:nvGrpSpPr>
+        <p:cNvPr id="117" name="Shape 117"/>
+        <p:cNvGrpSpPr/>
+        <p:nvPr/>
+      </p:nvGrpSpPr>
+      <p:grpSpPr>
+        <a:xfrm>
+          <a:off x="0" y="0"/>
+          <a:ext cx="0" cy="0"/>
+          <a:chOff x="0" y="0"/>
+          <a:chExt cx="0" cy="0"/>
+        </a:xfrm>
+      </p:grpSpPr>
+      <p:sp>
+        <p:nvSpPr>
+          <p:cNvPr id="118" name="Google Shape;118;p21"/>
+          <p:cNvSpPr txBox="1"/>
+          <p:nvPr>
+            <p:ph type="title"/>
+          </p:nvPr>
+        </p:nvSpPr>
+        <p:spPr>
+          <a:xfrm>
+            <a:off x="1759550" y="495575"/>
+            <a:ext cx="6962100" cy="619500"/>
+          </a:xfrm>
+          <a:prstGeom prst="rect">
+            <a:avLst/>
+          </a:prstGeom>
+        </p:spPr>
+        <p:txBody>
+          <a:bodyPr anchorCtr="0" anchor="t" bIns="91425" lIns="91425" spcFirstLastPara="1" rIns="91425" wrap="square" tIns="91425">
+            <a:noAutofit/>
+          </a:bodyPr>
+          <a:lstStyle/>
+          <a:p>
+            <a:pPr indent="0" lvl="0" marL="0" rtl="0" algn="l">
+              <a:spcBef>
+                <a:spcPts val="0"/>
+              </a:spcBef>
+              <a:spcAft>
+                <a:spcPts val="0"/>
+              </a:spcAft>
+              <a:buNone/>
+            </a:pPr>
+            <a:r>
+              <a:rPr lang="en"/>
+              <a:t>Conclusions and recommendations</a:t>
+            </a:r>
             <a:endParaRPr/>
+          </a:p>
+        </p:txBody>
+      </p:sp>
+      <p:sp>
+        <p:nvSpPr>
+          <p:cNvPr id="119" name="Google Shape;119;p21"/>
+          <p:cNvSpPr txBox="1"/>
+          <p:nvPr>
+            <p:ph idx="1" type="body"/>
+          </p:nvPr>
+        </p:nvSpPr>
+        <p:spPr>
+          <a:xfrm>
+            <a:off x="1759550" y="1021200"/>
+            <a:ext cx="6962100" cy="3623100"/>
+          </a:xfrm>
+          <a:prstGeom prst="rect">
+            <a:avLst/>
+          </a:prstGeom>
+        </p:spPr>
+        <p:txBody>
+          <a:bodyPr anchorCtr="0" anchor="t" bIns="91425" lIns="91425" spcFirstLastPara="1" rIns="91425" wrap="square" tIns="91425">
+            <a:noAutofit/>
+          </a:bodyPr>
+          <a:lstStyle/>
+          <a:p>
+            <a:pPr indent="0" lvl="0" marL="0" rtl="0" algn="just">
+              <a:lnSpc>
+                <a:spcPct val="150000"/>
+              </a:lnSpc>
+              <a:spcBef>
+                <a:spcPts val="0"/>
+              </a:spcBef>
+              <a:spcAft>
+                <a:spcPts val="1100"/>
+              </a:spcAft>
+              <a:buClr>
+                <a:schemeClr val="dk2"/>
+              </a:buClr>
+              <a:buSzPts val="1100"/>
+              <a:buFont typeface="Arial"/>
+              <a:buNone/>
+            </a:pPr>
+            <a:r>
+              <a:rPr lang="en">
+                <a:solidFill>
+                  <a:srgbClr val="020202"/>
+                </a:solidFill>
+                <a:latin typeface="Calibri"/>
+                <a:ea typeface="Calibri"/>
+                <a:cs typeface="Calibri"/>
+                <a:sym typeface="Calibri"/>
+              </a:rPr>
+              <a:t>The objective of this project was to build models to predict housing prices of different residences in Ames, </a:t>
+            </a:r>
+            <a:r>
+              <a:rPr lang="en">
+                <a:highlight>
+                  <a:schemeClr val="lt1"/>
+                </a:highlight>
+                <a:latin typeface="Calibri"/>
+                <a:ea typeface="Calibri"/>
+                <a:cs typeface="Calibri"/>
+                <a:sym typeface="Calibri"/>
+              </a:rPr>
+              <a:t>Iowa</a:t>
+            </a:r>
+            <a:r>
+              <a:rPr lang="en">
+                <a:solidFill>
+                  <a:srgbClr val="020202"/>
+                </a:solidFill>
+                <a:latin typeface="Calibri"/>
+                <a:ea typeface="Calibri"/>
+                <a:cs typeface="Calibri"/>
+                <a:sym typeface="Calibri"/>
+              </a:rPr>
+              <a:t>. Our best model resulted in an RMSE of 0.105, which translates to an error of about $9000 (or about 5%) for the average-priced house. </a:t>
+            </a:r>
+            <a:r>
+              <a:rPr lang="en">
+                <a:solidFill>
+                  <a:srgbClr val="020202"/>
+                </a:solidFill>
+                <a:highlight>
+                  <a:srgbClr val="FFFFFF"/>
+                </a:highlight>
+                <a:latin typeface="Calibri"/>
+                <a:ea typeface="Calibri"/>
+                <a:cs typeface="Calibri"/>
+                <a:sym typeface="Calibri"/>
+              </a:rPr>
+              <a:t>The variables seen as most important or as strongest predictors through our models were those related to square footage, the age and condition of the home, the neighborhood where the house was located.</a:t>
+            </a:r>
+            <a:endParaRPr>
+              <a:latin typeface="Calibri"/>
+              <a:ea typeface="Calibri"/>
+              <a:cs typeface="Calibri"/>
+              <a:sym typeface="Calibri"/>
+            </a:endParaRPr>
           </a:p>
         </p:txBody>
       </p:sp>
